--- a/public/HACK_MARATHON.pptx
+++ b/public/HACK_MARATHON.pptx
@@ -32,28 +32,21 @@
       <p:boldItalic r:id="rId15"/>
     </p:embeddedFont>
     <p:embeddedFont>
-      <p:font typeface="Calibri" panose="020F0502020204030204" pitchFamily="34" charset="0"/>
+      <p:font typeface="Cambria" panose="02040503050406030204" pitchFamily="18" charset="0"/>
       <p:regular r:id="rId16"/>
       <p:bold r:id="rId17"/>
       <p:italic r:id="rId18"/>
       <p:boldItalic r:id="rId19"/>
     </p:embeddedFont>
     <p:embeddedFont>
-      <p:font typeface="Cambria" panose="02040503050406030204" pitchFamily="18" charset="0"/>
+      <p:font typeface="Cambria Bold" panose="02040803050406030204" pitchFamily="18" charset="0"/>
       <p:regular r:id="rId20"/>
       <p:bold r:id="rId21"/>
-      <p:italic r:id="rId22"/>
-      <p:boldItalic r:id="rId23"/>
-    </p:embeddedFont>
-    <p:embeddedFont>
-      <p:font typeface="Cambria Bold" panose="02040803050406030204" pitchFamily="18" charset="0"/>
-      <p:regular r:id="rId24"/>
-      <p:bold r:id="rId25"/>
     </p:embeddedFont>
     <p:embeddedFont>
       <p:font typeface="Gadugi" panose="020B0502040204020203" pitchFamily="34" charset="0"/>
-      <p:regular r:id="rId26"/>
-      <p:bold r:id="rId27"/>
+      <p:regular r:id="rId22"/>
+      <p:bold r:id="rId23"/>
     </p:embeddedFont>
   </p:embeddedFontLst>
   <p:defaultTextStyle>
@@ -252,7 +245,7 @@
           <a:p>
             <a:fld id="{B7268E1E-0E44-426D-905E-8AD9B19D2182}" type="datetimeFigureOut">
               <a:rPr lang="cs-CZ" smtClean="0"/>
-              <a:t>13.12.2025</a:t>
+              <a:t>21.12.2025</a:t>
             </a:fld>
             <a:endParaRPr lang="cs-CZ"/>
           </a:p>
@@ -2080,7 +2073,7 @@
             <a:fld id="{1D8BD707-D9CF-40AE-B4C6-C98DA3205C09}" type="datetimeFigureOut">
               <a:rPr lang="en-US" smtClean="0"/>
               <a:pPr/>
-              <a:t>12/13/2025</a:t>
+              <a:t>12/21/2025</a:t>
             </a:fld>
             <a:endParaRPr lang="en-US"/>
           </a:p>
@@ -2245,7 +2238,7 @@
             <a:fld id="{1D8BD707-D9CF-40AE-B4C6-C98DA3205C09}" type="datetimeFigureOut">
               <a:rPr lang="en-US" smtClean="0"/>
               <a:pPr/>
-              <a:t>12/13/2025</a:t>
+              <a:t>12/21/2025</a:t>
             </a:fld>
             <a:endParaRPr lang="en-US"/>
           </a:p>
@@ -2420,7 +2413,7 @@
             <a:fld id="{1D8BD707-D9CF-40AE-B4C6-C98DA3205C09}" type="datetimeFigureOut">
               <a:rPr lang="en-US" smtClean="0"/>
               <a:pPr/>
-              <a:t>12/13/2025</a:t>
+              <a:t>12/21/2025</a:t>
             </a:fld>
             <a:endParaRPr lang="en-US"/>
           </a:p>
@@ -2585,7 +2578,7 @@
             <a:fld id="{1D8BD707-D9CF-40AE-B4C6-C98DA3205C09}" type="datetimeFigureOut">
               <a:rPr lang="en-US" smtClean="0"/>
               <a:pPr/>
-              <a:t>12/13/2025</a:t>
+              <a:t>12/21/2025</a:t>
             </a:fld>
             <a:endParaRPr lang="en-US"/>
           </a:p>
@@ -2827,7 +2820,7 @@
             <a:fld id="{1D8BD707-D9CF-40AE-B4C6-C98DA3205C09}" type="datetimeFigureOut">
               <a:rPr lang="en-US" smtClean="0"/>
               <a:pPr/>
-              <a:t>12/13/2025</a:t>
+              <a:t>12/21/2025</a:t>
             </a:fld>
             <a:endParaRPr lang="en-US"/>
           </a:p>
@@ -3109,7 +3102,7 @@
             <a:fld id="{1D8BD707-D9CF-40AE-B4C6-C98DA3205C09}" type="datetimeFigureOut">
               <a:rPr lang="en-US" smtClean="0"/>
               <a:pPr/>
-              <a:t>12/13/2025</a:t>
+              <a:t>12/21/2025</a:t>
             </a:fld>
             <a:endParaRPr lang="en-US"/>
           </a:p>
@@ -3525,7 +3518,7 @@
             <a:fld id="{1D8BD707-D9CF-40AE-B4C6-C98DA3205C09}" type="datetimeFigureOut">
               <a:rPr lang="en-US" smtClean="0"/>
               <a:pPr/>
-              <a:t>12/13/2025</a:t>
+              <a:t>12/21/2025</a:t>
             </a:fld>
             <a:endParaRPr lang="en-US"/>
           </a:p>
@@ -3639,7 +3632,7 @@
             <a:fld id="{1D8BD707-D9CF-40AE-B4C6-C98DA3205C09}" type="datetimeFigureOut">
               <a:rPr lang="en-US" smtClean="0"/>
               <a:pPr/>
-              <a:t>12/13/2025</a:t>
+              <a:t>12/21/2025</a:t>
             </a:fld>
             <a:endParaRPr lang="en-US"/>
           </a:p>
@@ -3731,7 +3724,7 @@
             <a:fld id="{1D8BD707-D9CF-40AE-B4C6-C98DA3205C09}" type="datetimeFigureOut">
               <a:rPr lang="en-US" smtClean="0"/>
               <a:pPr/>
-              <a:t>12/13/2025</a:t>
+              <a:t>12/21/2025</a:t>
             </a:fld>
             <a:endParaRPr lang="en-US"/>
           </a:p>
@@ -4003,7 +3996,7 @@
             <a:fld id="{1D8BD707-D9CF-40AE-B4C6-C98DA3205C09}" type="datetimeFigureOut">
               <a:rPr lang="en-US" smtClean="0"/>
               <a:pPr/>
-              <a:t>12/13/2025</a:t>
+              <a:t>12/21/2025</a:t>
             </a:fld>
             <a:endParaRPr lang="en-US"/>
           </a:p>
@@ -4252,7 +4245,7 @@
             <a:fld id="{1D8BD707-D9CF-40AE-B4C6-C98DA3205C09}" type="datetimeFigureOut">
               <a:rPr lang="en-US" smtClean="0"/>
               <a:pPr/>
-              <a:t>12/13/2025</a:t>
+              <a:t>12/21/2025</a:t>
             </a:fld>
             <a:endParaRPr lang="en-US"/>
           </a:p>
@@ -4460,7 +4453,7 @@
             <a:fld id="{1D8BD707-D9CF-40AE-B4C6-C98DA3205C09}" type="datetimeFigureOut">
               <a:rPr lang="en-US" smtClean="0"/>
               <a:pPr/>
-              <a:t>12/13/2025</a:t>
+              <a:t>12/21/2025</a:t>
             </a:fld>
             <a:endParaRPr lang="en-US"/>
           </a:p>
@@ -5461,6 +5454,13 @@
             </a:custGeom>
             <a:grpFill/>
           </p:spPr>
+          <p:txBody>
+            <a:bodyPr/>
+            <a:lstStyle/>
+            <a:p>
+              <a:endParaRPr lang="en-US"/>
+            </a:p>
+          </p:txBody>
         </p:sp>
         <p:sp>
           <p:nvSpPr>
@@ -5731,6 +5731,13 @@
             </a:custGeom>
             <a:grpFill/>
           </p:spPr>
+          <p:txBody>
+            <a:bodyPr/>
+            <a:lstStyle/>
+            <a:p>
+              <a:endParaRPr lang="en-US"/>
+            </a:p>
+          </p:txBody>
         </p:sp>
         <p:sp>
           <p:nvSpPr>
@@ -6034,6 +6041,13 @@
             </a:custGeom>
             <a:grpFill/>
           </p:spPr>
+          <p:txBody>
+            <a:bodyPr/>
+            <a:lstStyle/>
+            <a:p>
+              <a:endParaRPr lang="en-US"/>
+            </a:p>
+          </p:txBody>
         </p:sp>
         <p:sp>
           <p:nvSpPr>
@@ -6337,6 +6351,13 @@
             </a:custGeom>
             <a:grpFill/>
           </p:spPr>
+          <p:txBody>
+            <a:bodyPr/>
+            <a:lstStyle/>
+            <a:p>
+              <a:endParaRPr lang="en-US"/>
+            </a:p>
+          </p:txBody>
         </p:sp>
         <p:sp>
           <p:nvSpPr>
@@ -6563,6 +6584,13 @@
             </a:custGeom>
             <a:grpFill/>
           </p:spPr>
+          <p:txBody>
+            <a:bodyPr/>
+            <a:lstStyle/>
+            <a:p>
+              <a:endParaRPr lang="en-US"/>
+            </a:p>
+          </p:txBody>
         </p:sp>
         <p:sp>
           <p:nvSpPr>
@@ -6839,7 +6867,7 @@
         <p:spPr>
           <a:xfrm>
             <a:off x="1446034" y="2635424"/>
-            <a:ext cx="5448256" cy="6736524"/>
+            <a:ext cx="5448256" cy="5018105"/>
           </a:xfrm>
           <a:prstGeom prst="rect">
             <a:avLst/>
@@ -6949,46 +6977,6 @@
                 <a:sym typeface="Cambria Bold"/>
               </a:rPr>
               <a:t>Team Member 2 Name: </a:t>
-            </a:r>
-          </a:p>
-          <a:p>
-            <a:pPr algn="l">
-              <a:lnSpc>
-                <a:spcPts val="6659"/>
-              </a:lnSpc>
-            </a:pPr>
-            <a:r>
-              <a:rPr lang="en-US" sz="2663" dirty="0">
-                <a:solidFill>
-                  <a:srgbClr val="000000"/>
-                </a:solidFill>
-                <a:latin typeface="Cambria"/>
-                <a:ea typeface="Cambria"/>
-                <a:cs typeface="Cambria"/>
-                <a:sym typeface="Cambria"/>
-              </a:rPr>
-              <a:t>Branch: 	Stream: 	Year: </a:t>
-            </a:r>
-          </a:p>
-          <a:p>
-            <a:pPr algn="l">
-              <a:lnSpc>
-                <a:spcPts val="6659"/>
-              </a:lnSpc>
-            </a:pPr>
-            <a:r>
-              <a:rPr lang="en-US" sz="2663" b="1" dirty="0">
-                <a:solidFill>
-                  <a:schemeClr val="tx2">
-                    <a:lumMod val="75000"/>
-                  </a:schemeClr>
-                </a:solidFill>
-                <a:latin typeface="Cambria Bold"/>
-                <a:ea typeface="Cambria Bold"/>
-                <a:cs typeface="Cambria Bold"/>
-                <a:sym typeface="Cambria Bold"/>
-              </a:rPr>
-              <a:t>Team Member 3 Name: </a:t>
             </a:r>
           </a:p>
           <a:p>
@@ -7066,6 +7054,13 @@
             </a:custGeom>
             <a:grpFill/>
           </p:spPr>
+          <p:txBody>
+            <a:bodyPr/>
+            <a:lstStyle/>
+            <a:p>
+              <a:endParaRPr lang="en-US"/>
+            </a:p>
+          </p:txBody>
         </p:sp>
         <p:sp>
           <p:nvSpPr>
